--- a/ppt 16-9/1435.基督的国.pptx
+++ b/ppt 16-9/1435.基督的国.pptx
@@ -5,7 +5,7 @@
     <p:sldMasterId id="2147483648" r:id="rId1"/>
   </p:sldMasterIdLst>
   <p:sldIdLst>
-    <p:sldId id="1006" r:id="rId2"/>
+    <p:sldId id="1007" r:id="rId2"/>
   </p:sldIdLst>
   <p:sldSz cx="12192000" cy="6858000"/>
   <p:notesSz cx="6858000" cy="9144000"/>
@@ -129,7 +129,7 @@
           <p:cNvPr id="2" name="标题 1">
             <a:extLst>
               <a:ext uri="{FF2B5EF4-FFF2-40B4-BE49-F238E27FC236}">
-                <a16:creationId xmlns:a16="http://schemas.microsoft.com/office/drawing/2014/main" id="{1925434E-CB35-096B-9828-B94401FCF2CB}"/>
+                <a16:creationId xmlns:a16="http://schemas.microsoft.com/office/drawing/2014/main" id="{CD908F01-370E-7E0A-41C1-7347BA5FEFF9}"/>
               </a:ext>
             </a:extLst>
           </p:cNvPr>
@@ -166,7 +166,7 @@
           <p:cNvPr id="3" name="副标题 2">
             <a:extLst>
               <a:ext uri="{FF2B5EF4-FFF2-40B4-BE49-F238E27FC236}">
-                <a16:creationId xmlns:a16="http://schemas.microsoft.com/office/drawing/2014/main" id="{F12F29A5-5DBF-C0AE-A7D0-90D64EEEF992}"/>
+                <a16:creationId xmlns:a16="http://schemas.microsoft.com/office/drawing/2014/main" id="{C5A2750A-3396-7D1D-5451-CF93152C8B8A}"/>
               </a:ext>
             </a:extLst>
           </p:cNvPr>
@@ -236,7 +236,7 @@
           <p:cNvPr id="4" name="日期占位符 3">
             <a:extLst>
               <a:ext uri="{FF2B5EF4-FFF2-40B4-BE49-F238E27FC236}">
-                <a16:creationId xmlns:a16="http://schemas.microsoft.com/office/drawing/2014/main" id="{089B6700-9042-0088-A3A6-08736C058AC5}"/>
+                <a16:creationId xmlns:a16="http://schemas.microsoft.com/office/drawing/2014/main" id="{09D5AEA9-AB20-FFF9-1131-14D3E4841A4F}"/>
               </a:ext>
             </a:extLst>
           </p:cNvPr>
@@ -252,7 +252,7 @@
           <a:bodyPr/>
           <a:lstStyle/>
           <a:p>
-            <a:fld id="{3E545799-E46E-43AD-84E4-359111EE0859}" type="datetimeFigureOut">
+            <a:fld id="{42999CD2-6F1A-4244-973D-9A174DFD2D7C}" type="datetimeFigureOut">
               <a:rPr lang="zh-CN" altLang="en-US" smtClean="0"/>
               <a:t>2024/3/10</a:t>
             </a:fld>
@@ -265,7 +265,7 @@
           <p:cNvPr id="5" name="页脚占位符 4">
             <a:extLst>
               <a:ext uri="{FF2B5EF4-FFF2-40B4-BE49-F238E27FC236}">
-                <a16:creationId xmlns:a16="http://schemas.microsoft.com/office/drawing/2014/main" id="{FF7936E1-0F2D-6D45-4331-4716FBD09639}"/>
+                <a16:creationId xmlns:a16="http://schemas.microsoft.com/office/drawing/2014/main" id="{A0810416-F73A-C331-5E92-DCF737FC1AAB}"/>
               </a:ext>
             </a:extLst>
           </p:cNvPr>
@@ -290,7 +290,7 @@
           <p:cNvPr id="6" name="灯片编号占位符 5">
             <a:extLst>
               <a:ext uri="{FF2B5EF4-FFF2-40B4-BE49-F238E27FC236}">
-                <a16:creationId xmlns:a16="http://schemas.microsoft.com/office/drawing/2014/main" id="{DC9FAA7E-3010-B8C2-846A-E97AB43BCF99}"/>
+                <a16:creationId xmlns:a16="http://schemas.microsoft.com/office/drawing/2014/main" id="{1ED05CA0-4C21-16ED-0B12-41EDC99665B8}"/>
               </a:ext>
             </a:extLst>
           </p:cNvPr>
@@ -306,7 +306,7 @@
           <a:bodyPr/>
           <a:lstStyle/>
           <a:p>
-            <a:fld id="{69C7FF8D-512F-4800-A70A-9B0AD5F17482}" type="slidenum">
+            <a:fld id="{91011AF9-F1A6-4D29-BB9B-627F136C9B27}" type="slidenum">
               <a:rPr lang="zh-CN" altLang="en-US" smtClean="0"/>
               <a:t>‹#›</a:t>
             </a:fld>
@@ -317,7 +317,7 @@
     </p:spTree>
     <p:extLst>
       <p:ext uri="{BB962C8B-B14F-4D97-AF65-F5344CB8AC3E}">
-        <p14:creationId xmlns:p14="http://schemas.microsoft.com/office/powerpoint/2010/main" val="1839576673"/>
+        <p14:creationId xmlns:p14="http://schemas.microsoft.com/office/powerpoint/2010/main" val="2882111731"/>
       </p:ext>
     </p:extLst>
   </p:cSld>
@@ -349,7 +349,7 @@
           <p:cNvPr id="2" name="标题 1">
             <a:extLst>
               <a:ext uri="{FF2B5EF4-FFF2-40B4-BE49-F238E27FC236}">
-                <a16:creationId xmlns:a16="http://schemas.microsoft.com/office/drawing/2014/main" id="{086E97FC-495D-6BF7-5BD5-181E958E6E8E}"/>
+                <a16:creationId xmlns:a16="http://schemas.microsoft.com/office/drawing/2014/main" id="{697CCCF1-1089-1EB0-34F3-9BEF564E0469}"/>
               </a:ext>
             </a:extLst>
           </p:cNvPr>
@@ -377,7 +377,7 @@
           <p:cNvPr id="3" name="竖排文字占位符 2">
             <a:extLst>
               <a:ext uri="{FF2B5EF4-FFF2-40B4-BE49-F238E27FC236}">
-                <a16:creationId xmlns:a16="http://schemas.microsoft.com/office/drawing/2014/main" id="{1807FC92-A2D9-C402-83A4-C4A9151971CD}"/>
+                <a16:creationId xmlns:a16="http://schemas.microsoft.com/office/drawing/2014/main" id="{9C22D95D-A6D3-C1AC-E9F1-66DC87AADD90}"/>
               </a:ext>
             </a:extLst>
           </p:cNvPr>
@@ -434,7 +434,7 @@
           <p:cNvPr id="4" name="日期占位符 3">
             <a:extLst>
               <a:ext uri="{FF2B5EF4-FFF2-40B4-BE49-F238E27FC236}">
-                <a16:creationId xmlns:a16="http://schemas.microsoft.com/office/drawing/2014/main" id="{3EF88946-F862-2147-7678-933697029436}"/>
+                <a16:creationId xmlns:a16="http://schemas.microsoft.com/office/drawing/2014/main" id="{13543027-898F-C0F0-E60F-1570866C7FAC}"/>
               </a:ext>
             </a:extLst>
           </p:cNvPr>
@@ -450,7 +450,7 @@
           <a:bodyPr/>
           <a:lstStyle/>
           <a:p>
-            <a:fld id="{3E545799-E46E-43AD-84E4-359111EE0859}" type="datetimeFigureOut">
+            <a:fld id="{42999CD2-6F1A-4244-973D-9A174DFD2D7C}" type="datetimeFigureOut">
               <a:rPr lang="zh-CN" altLang="en-US" smtClean="0"/>
               <a:t>2024/3/10</a:t>
             </a:fld>
@@ -463,7 +463,7 @@
           <p:cNvPr id="5" name="页脚占位符 4">
             <a:extLst>
               <a:ext uri="{FF2B5EF4-FFF2-40B4-BE49-F238E27FC236}">
-                <a16:creationId xmlns:a16="http://schemas.microsoft.com/office/drawing/2014/main" id="{C8F564CE-C0F9-6B8E-E454-206C881A5D0B}"/>
+                <a16:creationId xmlns:a16="http://schemas.microsoft.com/office/drawing/2014/main" id="{6798673D-8F2D-C98A-F215-B2A51B1EA44B}"/>
               </a:ext>
             </a:extLst>
           </p:cNvPr>
@@ -488,7 +488,7 @@
           <p:cNvPr id="6" name="灯片编号占位符 5">
             <a:extLst>
               <a:ext uri="{FF2B5EF4-FFF2-40B4-BE49-F238E27FC236}">
-                <a16:creationId xmlns:a16="http://schemas.microsoft.com/office/drawing/2014/main" id="{C8808879-B024-DB72-8B12-4186A151BF63}"/>
+                <a16:creationId xmlns:a16="http://schemas.microsoft.com/office/drawing/2014/main" id="{80E0525A-DE31-D7DC-5624-EAFB4677C672}"/>
               </a:ext>
             </a:extLst>
           </p:cNvPr>
@@ -504,7 +504,7 @@
           <a:bodyPr/>
           <a:lstStyle/>
           <a:p>
-            <a:fld id="{69C7FF8D-512F-4800-A70A-9B0AD5F17482}" type="slidenum">
+            <a:fld id="{91011AF9-F1A6-4D29-BB9B-627F136C9B27}" type="slidenum">
               <a:rPr lang="zh-CN" altLang="en-US" smtClean="0"/>
               <a:t>‹#›</a:t>
             </a:fld>
@@ -515,7 +515,7 @@
     </p:spTree>
     <p:extLst>
       <p:ext uri="{BB962C8B-B14F-4D97-AF65-F5344CB8AC3E}">
-        <p14:creationId xmlns:p14="http://schemas.microsoft.com/office/powerpoint/2010/main" val="1148739987"/>
+        <p14:creationId xmlns:p14="http://schemas.microsoft.com/office/powerpoint/2010/main" val="2248458723"/>
       </p:ext>
     </p:extLst>
   </p:cSld>
@@ -547,7 +547,7 @@
           <p:cNvPr id="2" name="竖排标题 1">
             <a:extLst>
               <a:ext uri="{FF2B5EF4-FFF2-40B4-BE49-F238E27FC236}">
-                <a16:creationId xmlns:a16="http://schemas.microsoft.com/office/drawing/2014/main" id="{36334208-EB1F-CCB1-0EBD-A02E02E288B9}"/>
+                <a16:creationId xmlns:a16="http://schemas.microsoft.com/office/drawing/2014/main" id="{5D13DC06-4975-2F94-C0FC-4C2D418B047C}"/>
               </a:ext>
             </a:extLst>
           </p:cNvPr>
@@ -580,7 +580,7 @@
           <p:cNvPr id="3" name="竖排文字占位符 2">
             <a:extLst>
               <a:ext uri="{FF2B5EF4-FFF2-40B4-BE49-F238E27FC236}">
-                <a16:creationId xmlns:a16="http://schemas.microsoft.com/office/drawing/2014/main" id="{AC6F5DBB-794B-5107-F32F-52C4C6AED0CA}"/>
+                <a16:creationId xmlns:a16="http://schemas.microsoft.com/office/drawing/2014/main" id="{2EE671F6-4C59-B5D2-467E-A23A81A293C3}"/>
               </a:ext>
             </a:extLst>
           </p:cNvPr>
@@ -642,7 +642,7 @@
           <p:cNvPr id="4" name="日期占位符 3">
             <a:extLst>
               <a:ext uri="{FF2B5EF4-FFF2-40B4-BE49-F238E27FC236}">
-                <a16:creationId xmlns:a16="http://schemas.microsoft.com/office/drawing/2014/main" id="{AA9D6B57-DA7D-E9BF-7C47-0B33CF287409}"/>
+                <a16:creationId xmlns:a16="http://schemas.microsoft.com/office/drawing/2014/main" id="{21BC6175-CFF9-7CBF-77BD-EB1D4932FCC0}"/>
               </a:ext>
             </a:extLst>
           </p:cNvPr>
@@ -658,7 +658,7 @@
           <a:bodyPr/>
           <a:lstStyle/>
           <a:p>
-            <a:fld id="{3E545799-E46E-43AD-84E4-359111EE0859}" type="datetimeFigureOut">
+            <a:fld id="{42999CD2-6F1A-4244-973D-9A174DFD2D7C}" type="datetimeFigureOut">
               <a:rPr lang="zh-CN" altLang="en-US" smtClean="0"/>
               <a:t>2024/3/10</a:t>
             </a:fld>
@@ -671,7 +671,7 @@
           <p:cNvPr id="5" name="页脚占位符 4">
             <a:extLst>
               <a:ext uri="{FF2B5EF4-FFF2-40B4-BE49-F238E27FC236}">
-                <a16:creationId xmlns:a16="http://schemas.microsoft.com/office/drawing/2014/main" id="{4C448E04-A1B6-4919-4BF2-E23A7C023595}"/>
+                <a16:creationId xmlns:a16="http://schemas.microsoft.com/office/drawing/2014/main" id="{18B1E724-F79F-3CB9-8207-5E32A6FE016D}"/>
               </a:ext>
             </a:extLst>
           </p:cNvPr>
@@ -696,7 +696,7 @@
           <p:cNvPr id="6" name="灯片编号占位符 5">
             <a:extLst>
               <a:ext uri="{FF2B5EF4-FFF2-40B4-BE49-F238E27FC236}">
-                <a16:creationId xmlns:a16="http://schemas.microsoft.com/office/drawing/2014/main" id="{0412A05D-D371-763E-8500-9B7C6F7DEA73}"/>
+                <a16:creationId xmlns:a16="http://schemas.microsoft.com/office/drawing/2014/main" id="{12FBECB0-EDAE-9886-EF77-8F6A4331F075}"/>
               </a:ext>
             </a:extLst>
           </p:cNvPr>
@@ -712,7 +712,7 @@
           <a:bodyPr/>
           <a:lstStyle/>
           <a:p>
-            <a:fld id="{69C7FF8D-512F-4800-A70A-9B0AD5F17482}" type="slidenum">
+            <a:fld id="{91011AF9-F1A6-4D29-BB9B-627F136C9B27}" type="slidenum">
               <a:rPr lang="zh-CN" altLang="en-US" smtClean="0"/>
               <a:t>‹#›</a:t>
             </a:fld>
@@ -723,7 +723,7 @@
     </p:spTree>
     <p:extLst>
       <p:ext uri="{BB962C8B-B14F-4D97-AF65-F5344CB8AC3E}">
-        <p14:creationId xmlns:p14="http://schemas.microsoft.com/office/powerpoint/2010/main" val="661115206"/>
+        <p14:creationId xmlns:p14="http://schemas.microsoft.com/office/powerpoint/2010/main" val="3591550747"/>
       </p:ext>
     </p:extLst>
   </p:cSld>
@@ -755,7 +755,7 @@
           <p:cNvPr id="2" name="标题 1">
             <a:extLst>
               <a:ext uri="{FF2B5EF4-FFF2-40B4-BE49-F238E27FC236}">
-                <a16:creationId xmlns:a16="http://schemas.microsoft.com/office/drawing/2014/main" id="{C5F2A7E1-4FBE-F802-46CB-24E0219FBAB0}"/>
+                <a16:creationId xmlns:a16="http://schemas.microsoft.com/office/drawing/2014/main" id="{8DADDE5E-F0D8-7B24-7BF6-EB7A4DBE4BB8}"/>
               </a:ext>
             </a:extLst>
           </p:cNvPr>
@@ -783,7 +783,7 @@
           <p:cNvPr id="3" name="内容占位符 2">
             <a:extLst>
               <a:ext uri="{FF2B5EF4-FFF2-40B4-BE49-F238E27FC236}">
-                <a16:creationId xmlns:a16="http://schemas.microsoft.com/office/drawing/2014/main" id="{031FB6C0-13EE-A24B-46EB-4190B5171C74}"/>
+                <a16:creationId xmlns:a16="http://schemas.microsoft.com/office/drawing/2014/main" id="{05A5379A-3333-5F4C-7D8F-846EF8782C7D}"/>
               </a:ext>
             </a:extLst>
           </p:cNvPr>
@@ -840,7 +840,7 @@
           <p:cNvPr id="4" name="日期占位符 3">
             <a:extLst>
               <a:ext uri="{FF2B5EF4-FFF2-40B4-BE49-F238E27FC236}">
-                <a16:creationId xmlns:a16="http://schemas.microsoft.com/office/drawing/2014/main" id="{5588715A-85B1-FB4B-1F11-6BE67799830D}"/>
+                <a16:creationId xmlns:a16="http://schemas.microsoft.com/office/drawing/2014/main" id="{104F0C9A-BD11-B478-C0DD-EA33FCF02B9D}"/>
               </a:ext>
             </a:extLst>
           </p:cNvPr>
@@ -856,7 +856,7 @@
           <a:bodyPr/>
           <a:lstStyle/>
           <a:p>
-            <a:fld id="{3E545799-E46E-43AD-84E4-359111EE0859}" type="datetimeFigureOut">
+            <a:fld id="{42999CD2-6F1A-4244-973D-9A174DFD2D7C}" type="datetimeFigureOut">
               <a:rPr lang="zh-CN" altLang="en-US" smtClean="0"/>
               <a:t>2024/3/10</a:t>
             </a:fld>
@@ -869,7 +869,7 @@
           <p:cNvPr id="5" name="页脚占位符 4">
             <a:extLst>
               <a:ext uri="{FF2B5EF4-FFF2-40B4-BE49-F238E27FC236}">
-                <a16:creationId xmlns:a16="http://schemas.microsoft.com/office/drawing/2014/main" id="{6C0F90F6-884C-F090-D0DB-B043934DF979}"/>
+                <a16:creationId xmlns:a16="http://schemas.microsoft.com/office/drawing/2014/main" id="{BE6E2CC4-A0A0-ACB9-FDFD-402FD9C45ADD}"/>
               </a:ext>
             </a:extLst>
           </p:cNvPr>
@@ -894,7 +894,7 @@
           <p:cNvPr id="6" name="灯片编号占位符 5">
             <a:extLst>
               <a:ext uri="{FF2B5EF4-FFF2-40B4-BE49-F238E27FC236}">
-                <a16:creationId xmlns:a16="http://schemas.microsoft.com/office/drawing/2014/main" id="{24A3DEF5-C900-A9C7-02DD-2FA03BF772CA}"/>
+                <a16:creationId xmlns:a16="http://schemas.microsoft.com/office/drawing/2014/main" id="{9B34215C-4A4E-3236-D699-4ABE32871CD1}"/>
               </a:ext>
             </a:extLst>
           </p:cNvPr>
@@ -910,7 +910,7 @@
           <a:bodyPr/>
           <a:lstStyle/>
           <a:p>
-            <a:fld id="{69C7FF8D-512F-4800-A70A-9B0AD5F17482}" type="slidenum">
+            <a:fld id="{91011AF9-F1A6-4D29-BB9B-627F136C9B27}" type="slidenum">
               <a:rPr lang="zh-CN" altLang="en-US" smtClean="0"/>
               <a:t>‹#›</a:t>
             </a:fld>
@@ -921,7 +921,7 @@
     </p:spTree>
     <p:extLst>
       <p:ext uri="{BB962C8B-B14F-4D97-AF65-F5344CB8AC3E}">
-        <p14:creationId xmlns:p14="http://schemas.microsoft.com/office/powerpoint/2010/main" val="3024767624"/>
+        <p14:creationId xmlns:p14="http://schemas.microsoft.com/office/powerpoint/2010/main" val="128998714"/>
       </p:ext>
     </p:extLst>
   </p:cSld>
@@ -953,7 +953,7 @@
           <p:cNvPr id="2" name="标题 1">
             <a:extLst>
               <a:ext uri="{FF2B5EF4-FFF2-40B4-BE49-F238E27FC236}">
-                <a16:creationId xmlns:a16="http://schemas.microsoft.com/office/drawing/2014/main" id="{12358CB4-3677-E7F1-CAB3-D21E1A16EAB6}"/>
+                <a16:creationId xmlns:a16="http://schemas.microsoft.com/office/drawing/2014/main" id="{3181CA42-35EE-62F6-E6AE-AD263C0FB920}"/>
               </a:ext>
             </a:extLst>
           </p:cNvPr>
@@ -990,7 +990,7 @@
           <p:cNvPr id="3" name="文本占位符 2">
             <a:extLst>
               <a:ext uri="{FF2B5EF4-FFF2-40B4-BE49-F238E27FC236}">
-                <a16:creationId xmlns:a16="http://schemas.microsoft.com/office/drawing/2014/main" id="{5552016F-1C64-6C73-89C0-90E54289BB4A}"/>
+                <a16:creationId xmlns:a16="http://schemas.microsoft.com/office/drawing/2014/main" id="{4AE90BA6-5FFB-37D1-14E7-59BA35D90120}"/>
               </a:ext>
             </a:extLst>
           </p:cNvPr>
@@ -1115,7 +1115,7 @@
           <p:cNvPr id="4" name="日期占位符 3">
             <a:extLst>
               <a:ext uri="{FF2B5EF4-FFF2-40B4-BE49-F238E27FC236}">
-                <a16:creationId xmlns:a16="http://schemas.microsoft.com/office/drawing/2014/main" id="{FFDB246A-50B3-4C9C-438C-F0623C373CEA}"/>
+                <a16:creationId xmlns:a16="http://schemas.microsoft.com/office/drawing/2014/main" id="{3DD19AF2-1F7F-C7E1-05DD-24AEABAEC226}"/>
               </a:ext>
             </a:extLst>
           </p:cNvPr>
@@ -1131,7 +1131,7 @@
           <a:bodyPr/>
           <a:lstStyle/>
           <a:p>
-            <a:fld id="{3E545799-E46E-43AD-84E4-359111EE0859}" type="datetimeFigureOut">
+            <a:fld id="{42999CD2-6F1A-4244-973D-9A174DFD2D7C}" type="datetimeFigureOut">
               <a:rPr lang="zh-CN" altLang="en-US" smtClean="0"/>
               <a:t>2024/3/10</a:t>
             </a:fld>
@@ -1144,7 +1144,7 @@
           <p:cNvPr id="5" name="页脚占位符 4">
             <a:extLst>
               <a:ext uri="{FF2B5EF4-FFF2-40B4-BE49-F238E27FC236}">
-                <a16:creationId xmlns:a16="http://schemas.microsoft.com/office/drawing/2014/main" id="{38141278-055B-166A-E8FD-285D1526B731}"/>
+                <a16:creationId xmlns:a16="http://schemas.microsoft.com/office/drawing/2014/main" id="{F6F1168D-2D6C-4972-CA97-CAAB2E25F31D}"/>
               </a:ext>
             </a:extLst>
           </p:cNvPr>
@@ -1169,7 +1169,7 @@
           <p:cNvPr id="6" name="灯片编号占位符 5">
             <a:extLst>
               <a:ext uri="{FF2B5EF4-FFF2-40B4-BE49-F238E27FC236}">
-                <a16:creationId xmlns:a16="http://schemas.microsoft.com/office/drawing/2014/main" id="{3C89BEBE-CE33-B54C-3B7B-8FCA7477446D}"/>
+                <a16:creationId xmlns:a16="http://schemas.microsoft.com/office/drawing/2014/main" id="{DCD3ACE4-8C93-A58C-B95F-8A9E4290DA6A}"/>
               </a:ext>
             </a:extLst>
           </p:cNvPr>
@@ -1185,7 +1185,7 @@
           <a:bodyPr/>
           <a:lstStyle/>
           <a:p>
-            <a:fld id="{69C7FF8D-512F-4800-A70A-9B0AD5F17482}" type="slidenum">
+            <a:fld id="{91011AF9-F1A6-4D29-BB9B-627F136C9B27}" type="slidenum">
               <a:rPr lang="zh-CN" altLang="en-US" smtClean="0"/>
               <a:t>‹#›</a:t>
             </a:fld>
@@ -1196,7 +1196,7 @@
     </p:spTree>
     <p:extLst>
       <p:ext uri="{BB962C8B-B14F-4D97-AF65-F5344CB8AC3E}">
-        <p14:creationId xmlns:p14="http://schemas.microsoft.com/office/powerpoint/2010/main" val="2130637526"/>
+        <p14:creationId xmlns:p14="http://schemas.microsoft.com/office/powerpoint/2010/main" val="3739016748"/>
       </p:ext>
     </p:extLst>
   </p:cSld>
@@ -1228,7 +1228,7 @@
           <p:cNvPr id="2" name="标题 1">
             <a:extLst>
               <a:ext uri="{FF2B5EF4-FFF2-40B4-BE49-F238E27FC236}">
-                <a16:creationId xmlns:a16="http://schemas.microsoft.com/office/drawing/2014/main" id="{EF70C1BE-EF01-72E6-6F17-78819330E5FF}"/>
+                <a16:creationId xmlns:a16="http://schemas.microsoft.com/office/drawing/2014/main" id="{671942BE-AD31-24D3-21BD-D519AA2728F7}"/>
               </a:ext>
             </a:extLst>
           </p:cNvPr>
@@ -1256,7 +1256,7 @@
           <p:cNvPr id="3" name="内容占位符 2">
             <a:extLst>
               <a:ext uri="{FF2B5EF4-FFF2-40B4-BE49-F238E27FC236}">
-                <a16:creationId xmlns:a16="http://schemas.microsoft.com/office/drawing/2014/main" id="{D82253D8-6C30-D1D6-31AA-95D9A474E5A6}"/>
+                <a16:creationId xmlns:a16="http://schemas.microsoft.com/office/drawing/2014/main" id="{4BC770EA-8D3F-19B3-2837-55A3A268C4D2}"/>
               </a:ext>
             </a:extLst>
           </p:cNvPr>
@@ -1318,7 +1318,7 @@
           <p:cNvPr id="4" name="内容占位符 3">
             <a:extLst>
               <a:ext uri="{FF2B5EF4-FFF2-40B4-BE49-F238E27FC236}">
-                <a16:creationId xmlns:a16="http://schemas.microsoft.com/office/drawing/2014/main" id="{6B9E0DB7-3AB1-CE01-7E71-1F7E803F080F}"/>
+                <a16:creationId xmlns:a16="http://schemas.microsoft.com/office/drawing/2014/main" id="{B5059A65-EB80-3932-7A1F-818D28C7DCFB}"/>
               </a:ext>
             </a:extLst>
           </p:cNvPr>
@@ -1380,7 +1380,7 @@
           <p:cNvPr id="5" name="日期占位符 4">
             <a:extLst>
               <a:ext uri="{FF2B5EF4-FFF2-40B4-BE49-F238E27FC236}">
-                <a16:creationId xmlns:a16="http://schemas.microsoft.com/office/drawing/2014/main" id="{9E115581-EFA8-E24D-7EAE-02CB9A0685A0}"/>
+                <a16:creationId xmlns:a16="http://schemas.microsoft.com/office/drawing/2014/main" id="{ECA000D3-0693-B10B-76AD-432471379004}"/>
               </a:ext>
             </a:extLst>
           </p:cNvPr>
@@ -1396,7 +1396,7 @@
           <a:bodyPr/>
           <a:lstStyle/>
           <a:p>
-            <a:fld id="{3E545799-E46E-43AD-84E4-359111EE0859}" type="datetimeFigureOut">
+            <a:fld id="{42999CD2-6F1A-4244-973D-9A174DFD2D7C}" type="datetimeFigureOut">
               <a:rPr lang="zh-CN" altLang="en-US" smtClean="0"/>
               <a:t>2024/3/10</a:t>
             </a:fld>
@@ -1409,7 +1409,7 @@
           <p:cNvPr id="6" name="页脚占位符 5">
             <a:extLst>
               <a:ext uri="{FF2B5EF4-FFF2-40B4-BE49-F238E27FC236}">
-                <a16:creationId xmlns:a16="http://schemas.microsoft.com/office/drawing/2014/main" id="{35E550EC-9374-E88D-6B2A-3E1C2B5CA7CC}"/>
+                <a16:creationId xmlns:a16="http://schemas.microsoft.com/office/drawing/2014/main" id="{B1C3D076-18F3-7582-5F91-E1F51DD89C16}"/>
               </a:ext>
             </a:extLst>
           </p:cNvPr>
@@ -1434,7 +1434,7 @@
           <p:cNvPr id="7" name="灯片编号占位符 6">
             <a:extLst>
               <a:ext uri="{FF2B5EF4-FFF2-40B4-BE49-F238E27FC236}">
-                <a16:creationId xmlns:a16="http://schemas.microsoft.com/office/drawing/2014/main" id="{F70FAAC7-A65A-931C-C65A-C8904A0819FE}"/>
+                <a16:creationId xmlns:a16="http://schemas.microsoft.com/office/drawing/2014/main" id="{76DF115B-4752-F207-F748-5895195786C9}"/>
               </a:ext>
             </a:extLst>
           </p:cNvPr>
@@ -1450,7 +1450,7 @@
           <a:bodyPr/>
           <a:lstStyle/>
           <a:p>
-            <a:fld id="{69C7FF8D-512F-4800-A70A-9B0AD5F17482}" type="slidenum">
+            <a:fld id="{91011AF9-F1A6-4D29-BB9B-627F136C9B27}" type="slidenum">
               <a:rPr lang="zh-CN" altLang="en-US" smtClean="0"/>
               <a:t>‹#›</a:t>
             </a:fld>
@@ -1461,7 +1461,7 @@
     </p:spTree>
     <p:extLst>
       <p:ext uri="{BB962C8B-B14F-4D97-AF65-F5344CB8AC3E}">
-        <p14:creationId xmlns:p14="http://schemas.microsoft.com/office/powerpoint/2010/main" val="2161249209"/>
+        <p14:creationId xmlns:p14="http://schemas.microsoft.com/office/powerpoint/2010/main" val="3039106902"/>
       </p:ext>
     </p:extLst>
   </p:cSld>
@@ -1493,7 +1493,7 @@
           <p:cNvPr id="2" name="标题 1">
             <a:extLst>
               <a:ext uri="{FF2B5EF4-FFF2-40B4-BE49-F238E27FC236}">
-                <a16:creationId xmlns:a16="http://schemas.microsoft.com/office/drawing/2014/main" id="{68CF0141-8901-E707-511B-091F3F23B791}"/>
+                <a16:creationId xmlns:a16="http://schemas.microsoft.com/office/drawing/2014/main" id="{EF9E2F30-8FC6-85DE-4865-C9F13DB775BF}"/>
               </a:ext>
             </a:extLst>
           </p:cNvPr>
@@ -1526,7 +1526,7 @@
           <p:cNvPr id="3" name="文本占位符 2">
             <a:extLst>
               <a:ext uri="{FF2B5EF4-FFF2-40B4-BE49-F238E27FC236}">
-                <a16:creationId xmlns:a16="http://schemas.microsoft.com/office/drawing/2014/main" id="{46427E4A-A42C-EB37-712D-BC8755BD212F}"/>
+                <a16:creationId xmlns:a16="http://schemas.microsoft.com/office/drawing/2014/main" id="{5372F31A-00E6-0A60-5B8E-A32FBA91C24B}"/>
               </a:ext>
             </a:extLst>
           </p:cNvPr>
@@ -1597,7 +1597,7 @@
           <p:cNvPr id="4" name="内容占位符 3">
             <a:extLst>
               <a:ext uri="{FF2B5EF4-FFF2-40B4-BE49-F238E27FC236}">
-                <a16:creationId xmlns:a16="http://schemas.microsoft.com/office/drawing/2014/main" id="{6DF4C2C5-1D27-9CBC-AE8D-B371428617EF}"/>
+                <a16:creationId xmlns:a16="http://schemas.microsoft.com/office/drawing/2014/main" id="{AFDC481C-4484-E4C4-3373-EE07E4721FC8}"/>
               </a:ext>
             </a:extLst>
           </p:cNvPr>
@@ -1659,7 +1659,7 @@
           <p:cNvPr id="5" name="文本占位符 4">
             <a:extLst>
               <a:ext uri="{FF2B5EF4-FFF2-40B4-BE49-F238E27FC236}">
-                <a16:creationId xmlns:a16="http://schemas.microsoft.com/office/drawing/2014/main" id="{163CEB74-EBF2-E160-4633-B71BF4EA5215}"/>
+                <a16:creationId xmlns:a16="http://schemas.microsoft.com/office/drawing/2014/main" id="{7B87BEDA-52C8-66EF-8C72-551BEE7C5C81}"/>
               </a:ext>
             </a:extLst>
           </p:cNvPr>
@@ -1730,7 +1730,7 @@
           <p:cNvPr id="6" name="内容占位符 5">
             <a:extLst>
               <a:ext uri="{FF2B5EF4-FFF2-40B4-BE49-F238E27FC236}">
-                <a16:creationId xmlns:a16="http://schemas.microsoft.com/office/drawing/2014/main" id="{5A5AF264-2BFA-744C-07CF-CD90C09A6757}"/>
+                <a16:creationId xmlns:a16="http://schemas.microsoft.com/office/drawing/2014/main" id="{97A8CC2A-322A-BD9F-6AA5-1327887B7E43}"/>
               </a:ext>
             </a:extLst>
           </p:cNvPr>
@@ -1792,7 +1792,7 @@
           <p:cNvPr id="7" name="日期占位符 6">
             <a:extLst>
               <a:ext uri="{FF2B5EF4-FFF2-40B4-BE49-F238E27FC236}">
-                <a16:creationId xmlns:a16="http://schemas.microsoft.com/office/drawing/2014/main" id="{58A2CB28-9AFC-3401-3308-4C5BF9FD7D3D}"/>
+                <a16:creationId xmlns:a16="http://schemas.microsoft.com/office/drawing/2014/main" id="{E28490E6-C038-F06C-2D47-5F01A6C82FCE}"/>
               </a:ext>
             </a:extLst>
           </p:cNvPr>
@@ -1808,7 +1808,7 @@
           <a:bodyPr/>
           <a:lstStyle/>
           <a:p>
-            <a:fld id="{3E545799-E46E-43AD-84E4-359111EE0859}" type="datetimeFigureOut">
+            <a:fld id="{42999CD2-6F1A-4244-973D-9A174DFD2D7C}" type="datetimeFigureOut">
               <a:rPr lang="zh-CN" altLang="en-US" smtClean="0"/>
               <a:t>2024/3/10</a:t>
             </a:fld>
@@ -1821,7 +1821,7 @@
           <p:cNvPr id="8" name="页脚占位符 7">
             <a:extLst>
               <a:ext uri="{FF2B5EF4-FFF2-40B4-BE49-F238E27FC236}">
-                <a16:creationId xmlns:a16="http://schemas.microsoft.com/office/drawing/2014/main" id="{52A6162D-1858-DB2A-8787-F8A4191A33E8}"/>
+                <a16:creationId xmlns:a16="http://schemas.microsoft.com/office/drawing/2014/main" id="{57E23175-007D-726B-FA0E-55972A82C359}"/>
               </a:ext>
             </a:extLst>
           </p:cNvPr>
@@ -1846,7 +1846,7 @@
           <p:cNvPr id="9" name="灯片编号占位符 8">
             <a:extLst>
               <a:ext uri="{FF2B5EF4-FFF2-40B4-BE49-F238E27FC236}">
-                <a16:creationId xmlns:a16="http://schemas.microsoft.com/office/drawing/2014/main" id="{240F5EA3-18AA-FCDD-AAC6-75482202FFA3}"/>
+                <a16:creationId xmlns:a16="http://schemas.microsoft.com/office/drawing/2014/main" id="{A714304D-590A-6ED7-6DB3-5C7C0DA008D7}"/>
               </a:ext>
             </a:extLst>
           </p:cNvPr>
@@ -1862,7 +1862,7 @@
           <a:bodyPr/>
           <a:lstStyle/>
           <a:p>
-            <a:fld id="{69C7FF8D-512F-4800-A70A-9B0AD5F17482}" type="slidenum">
+            <a:fld id="{91011AF9-F1A6-4D29-BB9B-627F136C9B27}" type="slidenum">
               <a:rPr lang="zh-CN" altLang="en-US" smtClean="0"/>
               <a:t>‹#›</a:t>
             </a:fld>
@@ -1873,7 +1873,7 @@
     </p:spTree>
     <p:extLst>
       <p:ext uri="{BB962C8B-B14F-4D97-AF65-F5344CB8AC3E}">
-        <p14:creationId xmlns:p14="http://schemas.microsoft.com/office/powerpoint/2010/main" val="3885545024"/>
+        <p14:creationId xmlns:p14="http://schemas.microsoft.com/office/powerpoint/2010/main" val="157567905"/>
       </p:ext>
     </p:extLst>
   </p:cSld>
@@ -1905,7 +1905,7 @@
           <p:cNvPr id="2" name="标题 1">
             <a:extLst>
               <a:ext uri="{FF2B5EF4-FFF2-40B4-BE49-F238E27FC236}">
-                <a16:creationId xmlns:a16="http://schemas.microsoft.com/office/drawing/2014/main" id="{105948EC-C1D3-4088-F13D-9D623013C651}"/>
+                <a16:creationId xmlns:a16="http://schemas.microsoft.com/office/drawing/2014/main" id="{3E3B0FAD-7736-1B94-54C1-A98242F0A946}"/>
               </a:ext>
             </a:extLst>
           </p:cNvPr>
@@ -1933,7 +1933,7 @@
           <p:cNvPr id="3" name="日期占位符 2">
             <a:extLst>
               <a:ext uri="{FF2B5EF4-FFF2-40B4-BE49-F238E27FC236}">
-                <a16:creationId xmlns:a16="http://schemas.microsoft.com/office/drawing/2014/main" id="{4EB45580-9698-9986-3EFB-B95ADBBCB848}"/>
+                <a16:creationId xmlns:a16="http://schemas.microsoft.com/office/drawing/2014/main" id="{3BE393EB-2E52-23DF-A031-0CE777110073}"/>
               </a:ext>
             </a:extLst>
           </p:cNvPr>
@@ -1949,7 +1949,7 @@
           <a:bodyPr/>
           <a:lstStyle/>
           <a:p>
-            <a:fld id="{3E545799-E46E-43AD-84E4-359111EE0859}" type="datetimeFigureOut">
+            <a:fld id="{42999CD2-6F1A-4244-973D-9A174DFD2D7C}" type="datetimeFigureOut">
               <a:rPr lang="zh-CN" altLang="en-US" smtClean="0"/>
               <a:t>2024/3/10</a:t>
             </a:fld>
@@ -1962,7 +1962,7 @@
           <p:cNvPr id="4" name="页脚占位符 3">
             <a:extLst>
               <a:ext uri="{FF2B5EF4-FFF2-40B4-BE49-F238E27FC236}">
-                <a16:creationId xmlns:a16="http://schemas.microsoft.com/office/drawing/2014/main" id="{DB1C0AA0-6F0D-2666-C74D-3593CA921DF9}"/>
+                <a16:creationId xmlns:a16="http://schemas.microsoft.com/office/drawing/2014/main" id="{5BDEEE0B-D82E-DCB7-F90A-68754B0CFC90}"/>
               </a:ext>
             </a:extLst>
           </p:cNvPr>
@@ -1987,7 +1987,7 @@
           <p:cNvPr id="5" name="灯片编号占位符 4">
             <a:extLst>
               <a:ext uri="{FF2B5EF4-FFF2-40B4-BE49-F238E27FC236}">
-                <a16:creationId xmlns:a16="http://schemas.microsoft.com/office/drawing/2014/main" id="{EB67E9BE-3924-B648-E368-954A698CDB68}"/>
+                <a16:creationId xmlns:a16="http://schemas.microsoft.com/office/drawing/2014/main" id="{480140F1-EC6A-0ACB-3900-7EDC04E80B77}"/>
               </a:ext>
             </a:extLst>
           </p:cNvPr>
@@ -2003,7 +2003,7 @@
           <a:bodyPr/>
           <a:lstStyle/>
           <a:p>
-            <a:fld id="{69C7FF8D-512F-4800-A70A-9B0AD5F17482}" type="slidenum">
+            <a:fld id="{91011AF9-F1A6-4D29-BB9B-627F136C9B27}" type="slidenum">
               <a:rPr lang="zh-CN" altLang="en-US" smtClean="0"/>
               <a:t>‹#›</a:t>
             </a:fld>
@@ -2014,7 +2014,7 @@
     </p:spTree>
     <p:extLst>
       <p:ext uri="{BB962C8B-B14F-4D97-AF65-F5344CB8AC3E}">
-        <p14:creationId xmlns:p14="http://schemas.microsoft.com/office/powerpoint/2010/main" val="3535848905"/>
+        <p14:creationId xmlns:p14="http://schemas.microsoft.com/office/powerpoint/2010/main" val="724390632"/>
       </p:ext>
     </p:extLst>
   </p:cSld>
@@ -2046,7 +2046,7 @@
           <p:cNvPr id="2" name="日期占位符 1">
             <a:extLst>
               <a:ext uri="{FF2B5EF4-FFF2-40B4-BE49-F238E27FC236}">
-                <a16:creationId xmlns:a16="http://schemas.microsoft.com/office/drawing/2014/main" id="{F95B12DC-08E8-E9B4-4CA9-061C6F77A5A1}"/>
+                <a16:creationId xmlns:a16="http://schemas.microsoft.com/office/drawing/2014/main" id="{E440DA2D-2171-13B7-209F-CFD8F5AAFD5B}"/>
               </a:ext>
             </a:extLst>
           </p:cNvPr>
@@ -2062,7 +2062,7 @@
           <a:bodyPr/>
           <a:lstStyle/>
           <a:p>
-            <a:fld id="{3E545799-E46E-43AD-84E4-359111EE0859}" type="datetimeFigureOut">
+            <a:fld id="{42999CD2-6F1A-4244-973D-9A174DFD2D7C}" type="datetimeFigureOut">
               <a:rPr lang="zh-CN" altLang="en-US" smtClean="0"/>
               <a:t>2024/3/10</a:t>
             </a:fld>
@@ -2075,7 +2075,7 @@
           <p:cNvPr id="3" name="页脚占位符 2">
             <a:extLst>
               <a:ext uri="{FF2B5EF4-FFF2-40B4-BE49-F238E27FC236}">
-                <a16:creationId xmlns:a16="http://schemas.microsoft.com/office/drawing/2014/main" id="{7586BAC8-F850-719C-47F8-AE98BE3BDB29}"/>
+                <a16:creationId xmlns:a16="http://schemas.microsoft.com/office/drawing/2014/main" id="{835D7967-26E0-A6BF-359C-FB754F0204FC}"/>
               </a:ext>
             </a:extLst>
           </p:cNvPr>
@@ -2100,7 +2100,7 @@
           <p:cNvPr id="4" name="灯片编号占位符 3">
             <a:extLst>
               <a:ext uri="{FF2B5EF4-FFF2-40B4-BE49-F238E27FC236}">
-                <a16:creationId xmlns:a16="http://schemas.microsoft.com/office/drawing/2014/main" id="{572A3AA7-9280-6EBC-2C6C-D1BBF6188F7B}"/>
+                <a16:creationId xmlns:a16="http://schemas.microsoft.com/office/drawing/2014/main" id="{E4EB13D6-C9C3-C5A4-FE30-6F579E6FB87D}"/>
               </a:ext>
             </a:extLst>
           </p:cNvPr>
@@ -2116,7 +2116,7 @@
           <a:bodyPr/>
           <a:lstStyle/>
           <a:p>
-            <a:fld id="{69C7FF8D-512F-4800-A70A-9B0AD5F17482}" type="slidenum">
+            <a:fld id="{91011AF9-F1A6-4D29-BB9B-627F136C9B27}" type="slidenum">
               <a:rPr lang="zh-CN" altLang="en-US" smtClean="0"/>
               <a:t>‹#›</a:t>
             </a:fld>
@@ -2127,7 +2127,7 @@
     </p:spTree>
     <p:extLst>
       <p:ext uri="{BB962C8B-B14F-4D97-AF65-F5344CB8AC3E}">
-        <p14:creationId xmlns:p14="http://schemas.microsoft.com/office/powerpoint/2010/main" val="4152209402"/>
+        <p14:creationId xmlns:p14="http://schemas.microsoft.com/office/powerpoint/2010/main" val="951042927"/>
       </p:ext>
     </p:extLst>
   </p:cSld>
@@ -2159,7 +2159,7 @@
           <p:cNvPr id="2" name="标题 1">
             <a:extLst>
               <a:ext uri="{FF2B5EF4-FFF2-40B4-BE49-F238E27FC236}">
-                <a16:creationId xmlns:a16="http://schemas.microsoft.com/office/drawing/2014/main" id="{376D0D95-427D-1A67-5936-1C6471CD31CD}"/>
+                <a16:creationId xmlns:a16="http://schemas.microsoft.com/office/drawing/2014/main" id="{F248BC5A-CB49-C866-BAF7-36D1033711D9}"/>
               </a:ext>
             </a:extLst>
           </p:cNvPr>
@@ -2196,7 +2196,7 @@
           <p:cNvPr id="3" name="内容占位符 2">
             <a:extLst>
               <a:ext uri="{FF2B5EF4-FFF2-40B4-BE49-F238E27FC236}">
-                <a16:creationId xmlns:a16="http://schemas.microsoft.com/office/drawing/2014/main" id="{1CB6E383-88C6-FD46-EC9D-C56C1E178AFF}"/>
+                <a16:creationId xmlns:a16="http://schemas.microsoft.com/office/drawing/2014/main" id="{6006482D-6B02-8E74-4FB5-239819C78FE6}"/>
               </a:ext>
             </a:extLst>
           </p:cNvPr>
@@ -2286,7 +2286,7 @@
           <p:cNvPr id="4" name="文本占位符 3">
             <a:extLst>
               <a:ext uri="{FF2B5EF4-FFF2-40B4-BE49-F238E27FC236}">
-                <a16:creationId xmlns:a16="http://schemas.microsoft.com/office/drawing/2014/main" id="{708A9B07-9CF0-05ED-1B06-4102C76C5C6A}"/>
+                <a16:creationId xmlns:a16="http://schemas.microsoft.com/office/drawing/2014/main" id="{6568F4E4-3658-36E8-C231-6611DABEB9AA}"/>
               </a:ext>
             </a:extLst>
           </p:cNvPr>
@@ -2357,7 +2357,7 @@
           <p:cNvPr id="5" name="日期占位符 4">
             <a:extLst>
               <a:ext uri="{FF2B5EF4-FFF2-40B4-BE49-F238E27FC236}">
-                <a16:creationId xmlns:a16="http://schemas.microsoft.com/office/drawing/2014/main" id="{4DB872F5-6336-7ACD-C02A-8A397536B34A}"/>
+                <a16:creationId xmlns:a16="http://schemas.microsoft.com/office/drawing/2014/main" id="{8086983B-27EB-C1B6-DA07-92F616DE2469}"/>
               </a:ext>
             </a:extLst>
           </p:cNvPr>
@@ -2373,7 +2373,7 @@
           <a:bodyPr/>
           <a:lstStyle/>
           <a:p>
-            <a:fld id="{3E545799-E46E-43AD-84E4-359111EE0859}" type="datetimeFigureOut">
+            <a:fld id="{42999CD2-6F1A-4244-973D-9A174DFD2D7C}" type="datetimeFigureOut">
               <a:rPr lang="zh-CN" altLang="en-US" smtClean="0"/>
               <a:t>2024/3/10</a:t>
             </a:fld>
@@ -2386,7 +2386,7 @@
           <p:cNvPr id="6" name="页脚占位符 5">
             <a:extLst>
               <a:ext uri="{FF2B5EF4-FFF2-40B4-BE49-F238E27FC236}">
-                <a16:creationId xmlns:a16="http://schemas.microsoft.com/office/drawing/2014/main" id="{52732A12-B970-30C7-ABF7-6BC75DA357B8}"/>
+                <a16:creationId xmlns:a16="http://schemas.microsoft.com/office/drawing/2014/main" id="{93E19E8A-A49F-C82E-2CEB-4DB932BE5DA6}"/>
               </a:ext>
             </a:extLst>
           </p:cNvPr>
@@ -2411,7 +2411,7 @@
           <p:cNvPr id="7" name="灯片编号占位符 6">
             <a:extLst>
               <a:ext uri="{FF2B5EF4-FFF2-40B4-BE49-F238E27FC236}">
-                <a16:creationId xmlns:a16="http://schemas.microsoft.com/office/drawing/2014/main" id="{54A08F64-5517-C2B3-0EDB-D926579C4D1A}"/>
+                <a16:creationId xmlns:a16="http://schemas.microsoft.com/office/drawing/2014/main" id="{1682228C-F68A-B320-598F-9E3C1908A5AF}"/>
               </a:ext>
             </a:extLst>
           </p:cNvPr>
@@ -2427,7 +2427,7 @@
           <a:bodyPr/>
           <a:lstStyle/>
           <a:p>
-            <a:fld id="{69C7FF8D-512F-4800-A70A-9B0AD5F17482}" type="slidenum">
+            <a:fld id="{91011AF9-F1A6-4D29-BB9B-627F136C9B27}" type="slidenum">
               <a:rPr lang="zh-CN" altLang="en-US" smtClean="0"/>
               <a:t>‹#›</a:t>
             </a:fld>
@@ -2438,7 +2438,7 @@
     </p:spTree>
     <p:extLst>
       <p:ext uri="{BB962C8B-B14F-4D97-AF65-F5344CB8AC3E}">
-        <p14:creationId xmlns:p14="http://schemas.microsoft.com/office/powerpoint/2010/main" val="3057117208"/>
+        <p14:creationId xmlns:p14="http://schemas.microsoft.com/office/powerpoint/2010/main" val="2854708288"/>
       </p:ext>
     </p:extLst>
   </p:cSld>
@@ -2470,7 +2470,7 @@
           <p:cNvPr id="2" name="标题 1">
             <a:extLst>
               <a:ext uri="{FF2B5EF4-FFF2-40B4-BE49-F238E27FC236}">
-                <a16:creationId xmlns:a16="http://schemas.microsoft.com/office/drawing/2014/main" id="{9907B256-D445-A151-2CD6-C89720450967}"/>
+                <a16:creationId xmlns:a16="http://schemas.microsoft.com/office/drawing/2014/main" id="{8A43E11D-92D8-C361-D058-3E97D0242D45}"/>
               </a:ext>
             </a:extLst>
           </p:cNvPr>
@@ -2507,7 +2507,7 @@
           <p:cNvPr id="3" name="图片占位符 2">
             <a:extLst>
               <a:ext uri="{FF2B5EF4-FFF2-40B4-BE49-F238E27FC236}">
-                <a16:creationId xmlns:a16="http://schemas.microsoft.com/office/drawing/2014/main" id="{109DADEB-9C32-7B8B-C31C-EAC2862E4281}"/>
+                <a16:creationId xmlns:a16="http://schemas.microsoft.com/office/drawing/2014/main" id="{36E7106B-367E-2694-1230-3F52FCD7CA0E}"/>
               </a:ext>
             </a:extLst>
           </p:cNvPr>
@@ -2574,7 +2574,7 @@
           <p:cNvPr id="4" name="文本占位符 3">
             <a:extLst>
               <a:ext uri="{FF2B5EF4-FFF2-40B4-BE49-F238E27FC236}">
-                <a16:creationId xmlns:a16="http://schemas.microsoft.com/office/drawing/2014/main" id="{88B7DE01-01C5-9FC0-44AD-C578030E2F4F}"/>
+                <a16:creationId xmlns:a16="http://schemas.microsoft.com/office/drawing/2014/main" id="{C28673AD-0795-7A13-225A-3EC777B9587B}"/>
               </a:ext>
             </a:extLst>
           </p:cNvPr>
@@ -2645,7 +2645,7 @@
           <p:cNvPr id="5" name="日期占位符 4">
             <a:extLst>
               <a:ext uri="{FF2B5EF4-FFF2-40B4-BE49-F238E27FC236}">
-                <a16:creationId xmlns:a16="http://schemas.microsoft.com/office/drawing/2014/main" id="{3B05838E-C923-B730-15F2-3A58BBEC7416}"/>
+                <a16:creationId xmlns:a16="http://schemas.microsoft.com/office/drawing/2014/main" id="{FDAAD8B6-F837-15FD-82F7-C10577FC1FE8}"/>
               </a:ext>
             </a:extLst>
           </p:cNvPr>
@@ -2661,7 +2661,7 @@
           <a:bodyPr/>
           <a:lstStyle/>
           <a:p>
-            <a:fld id="{3E545799-E46E-43AD-84E4-359111EE0859}" type="datetimeFigureOut">
+            <a:fld id="{42999CD2-6F1A-4244-973D-9A174DFD2D7C}" type="datetimeFigureOut">
               <a:rPr lang="zh-CN" altLang="en-US" smtClean="0"/>
               <a:t>2024/3/10</a:t>
             </a:fld>
@@ -2674,7 +2674,7 @@
           <p:cNvPr id="6" name="页脚占位符 5">
             <a:extLst>
               <a:ext uri="{FF2B5EF4-FFF2-40B4-BE49-F238E27FC236}">
-                <a16:creationId xmlns:a16="http://schemas.microsoft.com/office/drawing/2014/main" id="{E583AA80-7FF9-E7EB-6EE0-E21794B06C07}"/>
+                <a16:creationId xmlns:a16="http://schemas.microsoft.com/office/drawing/2014/main" id="{79D013DA-AE05-C5FC-63E1-AD761EB7DFBC}"/>
               </a:ext>
             </a:extLst>
           </p:cNvPr>
@@ -2699,7 +2699,7 @@
           <p:cNvPr id="7" name="灯片编号占位符 6">
             <a:extLst>
               <a:ext uri="{FF2B5EF4-FFF2-40B4-BE49-F238E27FC236}">
-                <a16:creationId xmlns:a16="http://schemas.microsoft.com/office/drawing/2014/main" id="{3B96EEDA-FAB5-3401-4A23-F564A1781120}"/>
+                <a16:creationId xmlns:a16="http://schemas.microsoft.com/office/drawing/2014/main" id="{09D2C6AB-D740-0906-A475-C271DC6461BF}"/>
               </a:ext>
             </a:extLst>
           </p:cNvPr>
@@ -2715,7 +2715,7 @@
           <a:bodyPr/>
           <a:lstStyle/>
           <a:p>
-            <a:fld id="{69C7FF8D-512F-4800-A70A-9B0AD5F17482}" type="slidenum">
+            <a:fld id="{91011AF9-F1A6-4D29-BB9B-627F136C9B27}" type="slidenum">
               <a:rPr lang="zh-CN" altLang="en-US" smtClean="0"/>
               <a:t>‹#›</a:t>
             </a:fld>
@@ -2726,7 +2726,7 @@
     </p:spTree>
     <p:extLst>
       <p:ext uri="{BB962C8B-B14F-4D97-AF65-F5344CB8AC3E}">
-        <p14:creationId xmlns:p14="http://schemas.microsoft.com/office/powerpoint/2010/main" val="788936050"/>
+        <p14:creationId xmlns:p14="http://schemas.microsoft.com/office/powerpoint/2010/main" val="3795381095"/>
       </p:ext>
     </p:extLst>
   </p:cSld>
@@ -2763,7 +2763,7 @@
           <p:cNvPr id="2" name="标题占位符 1">
             <a:extLst>
               <a:ext uri="{FF2B5EF4-FFF2-40B4-BE49-F238E27FC236}">
-                <a16:creationId xmlns:a16="http://schemas.microsoft.com/office/drawing/2014/main" id="{29844EBB-D1BD-B6D6-EC10-EFCCD8D0CA3D}"/>
+                <a16:creationId xmlns:a16="http://schemas.microsoft.com/office/drawing/2014/main" id="{454EF145-A956-010B-32DF-B827BD612DB7}"/>
               </a:ext>
             </a:extLst>
           </p:cNvPr>
@@ -2801,7 +2801,7 @@
           <p:cNvPr id="3" name="文本占位符 2">
             <a:extLst>
               <a:ext uri="{FF2B5EF4-FFF2-40B4-BE49-F238E27FC236}">
-                <a16:creationId xmlns:a16="http://schemas.microsoft.com/office/drawing/2014/main" id="{ABAB96EA-4067-AE3C-C5C3-8F17FB4CA76C}"/>
+                <a16:creationId xmlns:a16="http://schemas.microsoft.com/office/drawing/2014/main" id="{B7B2B8E3-9342-4805-1A0E-42FC63E65B61}"/>
               </a:ext>
             </a:extLst>
           </p:cNvPr>
@@ -2868,7 +2868,7 @@
           <p:cNvPr id="4" name="日期占位符 3">
             <a:extLst>
               <a:ext uri="{FF2B5EF4-FFF2-40B4-BE49-F238E27FC236}">
-                <a16:creationId xmlns:a16="http://schemas.microsoft.com/office/drawing/2014/main" id="{C96254CA-736C-6B95-CA4D-1552B65F9CF5}"/>
+                <a16:creationId xmlns:a16="http://schemas.microsoft.com/office/drawing/2014/main" id="{C6FAD6FB-6CB9-6A50-26DB-2BA863064454}"/>
               </a:ext>
             </a:extLst>
           </p:cNvPr>
@@ -2902,7 +2902,7 @@
             </a:lvl1pPr>
           </a:lstStyle>
           <a:p>
-            <a:fld id="{3E545799-E46E-43AD-84E4-359111EE0859}" type="datetimeFigureOut">
+            <a:fld id="{42999CD2-6F1A-4244-973D-9A174DFD2D7C}" type="datetimeFigureOut">
               <a:rPr lang="zh-CN" altLang="en-US" smtClean="0"/>
               <a:t>2024/3/10</a:t>
             </a:fld>
@@ -2915,7 +2915,7 @@
           <p:cNvPr id="5" name="页脚占位符 4">
             <a:extLst>
               <a:ext uri="{FF2B5EF4-FFF2-40B4-BE49-F238E27FC236}">
-                <a16:creationId xmlns:a16="http://schemas.microsoft.com/office/drawing/2014/main" id="{48D42A56-39B1-14B4-539D-FFCC3127847F}"/>
+                <a16:creationId xmlns:a16="http://schemas.microsoft.com/office/drawing/2014/main" id="{F8C7B9E4-CA47-B183-A533-C987570A796E}"/>
               </a:ext>
             </a:extLst>
           </p:cNvPr>
@@ -2958,7 +2958,7 @@
           <p:cNvPr id="6" name="灯片编号占位符 5">
             <a:extLst>
               <a:ext uri="{FF2B5EF4-FFF2-40B4-BE49-F238E27FC236}">
-                <a16:creationId xmlns:a16="http://schemas.microsoft.com/office/drawing/2014/main" id="{99DEDDCD-78C5-D670-9BD6-F470A5DDBEE8}"/>
+                <a16:creationId xmlns:a16="http://schemas.microsoft.com/office/drawing/2014/main" id="{C8460F7F-6919-89EB-F08D-A9D76AD21F77}"/>
               </a:ext>
             </a:extLst>
           </p:cNvPr>
@@ -2992,7 +2992,7 @@
             </a:lvl1pPr>
           </a:lstStyle>
           <a:p>
-            <a:fld id="{69C7FF8D-512F-4800-A70A-9B0AD5F17482}" type="slidenum">
+            <a:fld id="{91011AF9-F1A6-4D29-BB9B-627F136C9B27}" type="slidenum">
               <a:rPr lang="zh-CN" altLang="en-US" smtClean="0"/>
               <a:t>‹#›</a:t>
             </a:fld>
@@ -3003,7 +3003,7 @@
     </p:spTree>
     <p:extLst>
       <p:ext uri="{BB962C8B-B14F-4D97-AF65-F5344CB8AC3E}">
-        <p14:creationId xmlns:p14="http://schemas.microsoft.com/office/powerpoint/2010/main" val="3078536809"/>
+        <p14:creationId xmlns:p14="http://schemas.microsoft.com/office/powerpoint/2010/main" val="2261842852"/>
       </p:ext>
     </p:extLst>
   </p:cSld>
@@ -3323,7 +3323,7 @@
       </p:grpSpPr>
       <p:pic>
         <p:nvPicPr>
-          <p:cNvPr id="1469442" name="Picture 2" descr="1434"/>
+          <p:cNvPr id="1470466" name="Picture 2" descr="1435"/>
           <p:cNvPicPr>
             <a:picLocks noChangeAspect="1" noChangeArrowheads="1"/>
           </p:cNvPicPr>
@@ -3344,8 +3344,8 @@
         </p:blipFill>
         <p:spPr bwMode="auto">
           <a:xfrm>
-            <a:off x="1524000" y="1"/>
-            <a:ext cx="9144000" cy="6092825"/>
+            <a:off x="1524000" y="0"/>
+            <a:ext cx="9144000" cy="6858000"/>
           </a:xfrm>
           <a:prstGeom prst="rect">
             <a:avLst/>
